--- a/ppt 16-9/1572.主啊！差遣我.pptx
+++ b/ppt 16-9/1572.主啊！差遣我.pptx
@@ -129,7 +129,7 @@
           <p:cNvPr id="2" name="标题 1">
             <a:extLst>
               <a:ext uri="{FF2B5EF4-FFF2-40B4-BE49-F238E27FC236}">
-                <a16:creationId xmlns:a16="http://schemas.microsoft.com/office/drawing/2014/main" id="{70BC2AD8-CF75-ED6E-7E8A-58A096DFBD27}"/>
+                <a16:creationId xmlns:a16="http://schemas.microsoft.com/office/drawing/2014/main" id="{ECC14A54-A986-53A9-2FD4-1029EB3BE242}"/>
               </a:ext>
             </a:extLst>
           </p:cNvPr>
@@ -166,7 +166,7 @@
           <p:cNvPr id="3" name="副标题 2">
             <a:extLst>
               <a:ext uri="{FF2B5EF4-FFF2-40B4-BE49-F238E27FC236}">
-                <a16:creationId xmlns:a16="http://schemas.microsoft.com/office/drawing/2014/main" id="{5A81A517-67E6-0D86-4948-9356F4C248A2}"/>
+                <a16:creationId xmlns:a16="http://schemas.microsoft.com/office/drawing/2014/main" id="{7C885E79-D2E7-0AB9-5916-B1ABBE061593}"/>
               </a:ext>
             </a:extLst>
           </p:cNvPr>
@@ -236,7 +236,7 @@
           <p:cNvPr id="4" name="日期占位符 3">
             <a:extLst>
               <a:ext uri="{FF2B5EF4-FFF2-40B4-BE49-F238E27FC236}">
-                <a16:creationId xmlns:a16="http://schemas.microsoft.com/office/drawing/2014/main" id="{68FC3F1A-143D-93F0-3BDF-1AABE1CE16B8}"/>
+                <a16:creationId xmlns:a16="http://schemas.microsoft.com/office/drawing/2014/main" id="{05419948-794D-E9F7-3D7E-8BF6CF1FEC61}"/>
               </a:ext>
             </a:extLst>
           </p:cNvPr>
@@ -252,7 +252,7 @@
           <a:bodyPr/>
           <a:lstStyle/>
           <a:p>
-            <a:fld id="{FE6E6DBD-7EA4-49B7-B0B6-D16CBE15B3F2}" type="datetimeFigureOut">
+            <a:fld id="{C301FF4B-F2D5-469E-AE93-711987DD519F}" type="datetimeFigureOut">
               <a:rPr lang="zh-CN" altLang="en-US" smtClean="0"/>
               <a:t>2024/3/10</a:t>
             </a:fld>
@@ -265,7 +265,7 @@
           <p:cNvPr id="5" name="页脚占位符 4">
             <a:extLst>
               <a:ext uri="{FF2B5EF4-FFF2-40B4-BE49-F238E27FC236}">
-                <a16:creationId xmlns:a16="http://schemas.microsoft.com/office/drawing/2014/main" id="{92F5E11F-A9C9-D4DE-4DE6-3B48437F941E}"/>
+                <a16:creationId xmlns:a16="http://schemas.microsoft.com/office/drawing/2014/main" id="{209FD862-CBF6-BE60-60F5-40F1AACA6F8A}"/>
               </a:ext>
             </a:extLst>
           </p:cNvPr>
@@ -290,7 +290,7 @@
           <p:cNvPr id="6" name="灯片编号占位符 5">
             <a:extLst>
               <a:ext uri="{FF2B5EF4-FFF2-40B4-BE49-F238E27FC236}">
-                <a16:creationId xmlns:a16="http://schemas.microsoft.com/office/drawing/2014/main" id="{33699721-4C54-A467-AF85-A2038D2D97D9}"/>
+                <a16:creationId xmlns:a16="http://schemas.microsoft.com/office/drawing/2014/main" id="{8A41E88B-9C2A-DB70-9F09-9A6313312D7E}"/>
               </a:ext>
             </a:extLst>
           </p:cNvPr>
@@ -306,7 +306,7 @@
           <a:bodyPr/>
           <a:lstStyle/>
           <a:p>
-            <a:fld id="{F190182A-F24C-40E2-8BB2-0714D82C9486}" type="slidenum">
+            <a:fld id="{0AD91538-3EA0-40A1-AEB1-775E22E16C32}" type="slidenum">
               <a:rPr lang="zh-CN" altLang="en-US" smtClean="0"/>
               <a:t>‹#›</a:t>
             </a:fld>
@@ -317,7 +317,7 @@
     </p:spTree>
     <p:extLst>
       <p:ext uri="{BB962C8B-B14F-4D97-AF65-F5344CB8AC3E}">
-        <p14:creationId xmlns:p14="http://schemas.microsoft.com/office/powerpoint/2010/main" val="3938782020"/>
+        <p14:creationId xmlns:p14="http://schemas.microsoft.com/office/powerpoint/2010/main" val="3166610005"/>
       </p:ext>
     </p:extLst>
   </p:cSld>
@@ -349,7 +349,7 @@
           <p:cNvPr id="2" name="标题 1">
             <a:extLst>
               <a:ext uri="{FF2B5EF4-FFF2-40B4-BE49-F238E27FC236}">
-                <a16:creationId xmlns:a16="http://schemas.microsoft.com/office/drawing/2014/main" id="{F3C3085A-7BBA-B1B8-B4C0-C13A56C28DCF}"/>
+                <a16:creationId xmlns:a16="http://schemas.microsoft.com/office/drawing/2014/main" id="{41FBE48C-79D6-8887-EF2C-A6AF2A72F2C7}"/>
               </a:ext>
             </a:extLst>
           </p:cNvPr>
@@ -377,7 +377,7 @@
           <p:cNvPr id="3" name="竖排文字占位符 2">
             <a:extLst>
               <a:ext uri="{FF2B5EF4-FFF2-40B4-BE49-F238E27FC236}">
-                <a16:creationId xmlns:a16="http://schemas.microsoft.com/office/drawing/2014/main" id="{BD5E8CB2-74C9-B600-DB3C-2743B2453659}"/>
+                <a16:creationId xmlns:a16="http://schemas.microsoft.com/office/drawing/2014/main" id="{E3699F6A-259E-9FE6-3C8A-897E0D65406F}"/>
               </a:ext>
             </a:extLst>
           </p:cNvPr>
@@ -434,7 +434,7 @@
           <p:cNvPr id="4" name="日期占位符 3">
             <a:extLst>
               <a:ext uri="{FF2B5EF4-FFF2-40B4-BE49-F238E27FC236}">
-                <a16:creationId xmlns:a16="http://schemas.microsoft.com/office/drawing/2014/main" id="{9F0C6786-1633-46FD-F69F-374E022F549C}"/>
+                <a16:creationId xmlns:a16="http://schemas.microsoft.com/office/drawing/2014/main" id="{0480D93E-4633-43A6-6A60-CC49A2D97A4E}"/>
               </a:ext>
             </a:extLst>
           </p:cNvPr>
@@ -450,7 +450,7 @@
           <a:bodyPr/>
           <a:lstStyle/>
           <a:p>
-            <a:fld id="{FE6E6DBD-7EA4-49B7-B0B6-D16CBE15B3F2}" type="datetimeFigureOut">
+            <a:fld id="{C301FF4B-F2D5-469E-AE93-711987DD519F}" type="datetimeFigureOut">
               <a:rPr lang="zh-CN" altLang="en-US" smtClean="0"/>
               <a:t>2024/3/10</a:t>
             </a:fld>
@@ -463,7 +463,7 @@
           <p:cNvPr id="5" name="页脚占位符 4">
             <a:extLst>
               <a:ext uri="{FF2B5EF4-FFF2-40B4-BE49-F238E27FC236}">
-                <a16:creationId xmlns:a16="http://schemas.microsoft.com/office/drawing/2014/main" id="{3E6923FB-71BC-8A8C-C103-DB21462235B0}"/>
+                <a16:creationId xmlns:a16="http://schemas.microsoft.com/office/drawing/2014/main" id="{7B2236DA-8DD2-A0A6-DD55-50745D16B0B4}"/>
               </a:ext>
             </a:extLst>
           </p:cNvPr>
@@ -488,7 +488,7 @@
           <p:cNvPr id="6" name="灯片编号占位符 5">
             <a:extLst>
               <a:ext uri="{FF2B5EF4-FFF2-40B4-BE49-F238E27FC236}">
-                <a16:creationId xmlns:a16="http://schemas.microsoft.com/office/drawing/2014/main" id="{3F2EEE9C-23D5-BD42-5BA8-C8319133577E}"/>
+                <a16:creationId xmlns:a16="http://schemas.microsoft.com/office/drawing/2014/main" id="{7AED4037-5640-2CAA-4FE5-253D3B9BB0B0}"/>
               </a:ext>
             </a:extLst>
           </p:cNvPr>
@@ -504,7 +504,7 @@
           <a:bodyPr/>
           <a:lstStyle/>
           <a:p>
-            <a:fld id="{F190182A-F24C-40E2-8BB2-0714D82C9486}" type="slidenum">
+            <a:fld id="{0AD91538-3EA0-40A1-AEB1-775E22E16C32}" type="slidenum">
               <a:rPr lang="zh-CN" altLang="en-US" smtClean="0"/>
               <a:t>‹#›</a:t>
             </a:fld>
@@ -515,7 +515,7 @@
     </p:spTree>
     <p:extLst>
       <p:ext uri="{BB962C8B-B14F-4D97-AF65-F5344CB8AC3E}">
-        <p14:creationId xmlns:p14="http://schemas.microsoft.com/office/powerpoint/2010/main" val="2628281359"/>
+        <p14:creationId xmlns:p14="http://schemas.microsoft.com/office/powerpoint/2010/main" val="1462061725"/>
       </p:ext>
     </p:extLst>
   </p:cSld>
@@ -547,7 +547,7 @@
           <p:cNvPr id="2" name="竖排标题 1">
             <a:extLst>
               <a:ext uri="{FF2B5EF4-FFF2-40B4-BE49-F238E27FC236}">
-                <a16:creationId xmlns:a16="http://schemas.microsoft.com/office/drawing/2014/main" id="{C97CBDDB-2090-23BC-A6A8-F36C5BC6FA41}"/>
+                <a16:creationId xmlns:a16="http://schemas.microsoft.com/office/drawing/2014/main" id="{23CAE879-382E-1F8A-5F8D-C87823F5370D}"/>
               </a:ext>
             </a:extLst>
           </p:cNvPr>
@@ -580,7 +580,7 @@
           <p:cNvPr id="3" name="竖排文字占位符 2">
             <a:extLst>
               <a:ext uri="{FF2B5EF4-FFF2-40B4-BE49-F238E27FC236}">
-                <a16:creationId xmlns:a16="http://schemas.microsoft.com/office/drawing/2014/main" id="{93F5C8F8-66E0-ECBB-E89B-0951EF66DC67}"/>
+                <a16:creationId xmlns:a16="http://schemas.microsoft.com/office/drawing/2014/main" id="{04561137-72FC-4225-2F81-2AD6FDDB06CF}"/>
               </a:ext>
             </a:extLst>
           </p:cNvPr>
@@ -642,7 +642,7 @@
           <p:cNvPr id="4" name="日期占位符 3">
             <a:extLst>
               <a:ext uri="{FF2B5EF4-FFF2-40B4-BE49-F238E27FC236}">
-                <a16:creationId xmlns:a16="http://schemas.microsoft.com/office/drawing/2014/main" id="{E7FD7140-CAE6-B773-7DB3-54E7E8D5AF2B}"/>
+                <a16:creationId xmlns:a16="http://schemas.microsoft.com/office/drawing/2014/main" id="{AD5EDBFE-F75C-D43A-19D5-AA3BC1B5D466}"/>
               </a:ext>
             </a:extLst>
           </p:cNvPr>
@@ -658,7 +658,7 @@
           <a:bodyPr/>
           <a:lstStyle/>
           <a:p>
-            <a:fld id="{FE6E6DBD-7EA4-49B7-B0B6-D16CBE15B3F2}" type="datetimeFigureOut">
+            <a:fld id="{C301FF4B-F2D5-469E-AE93-711987DD519F}" type="datetimeFigureOut">
               <a:rPr lang="zh-CN" altLang="en-US" smtClean="0"/>
               <a:t>2024/3/10</a:t>
             </a:fld>
@@ -671,7 +671,7 @@
           <p:cNvPr id="5" name="页脚占位符 4">
             <a:extLst>
               <a:ext uri="{FF2B5EF4-FFF2-40B4-BE49-F238E27FC236}">
-                <a16:creationId xmlns:a16="http://schemas.microsoft.com/office/drawing/2014/main" id="{272A46F7-442A-03D8-E104-C44CB388855B}"/>
+                <a16:creationId xmlns:a16="http://schemas.microsoft.com/office/drawing/2014/main" id="{8CC15B6F-8A0E-6281-2D01-5A7BF4644890}"/>
               </a:ext>
             </a:extLst>
           </p:cNvPr>
@@ -696,7 +696,7 @@
           <p:cNvPr id="6" name="灯片编号占位符 5">
             <a:extLst>
               <a:ext uri="{FF2B5EF4-FFF2-40B4-BE49-F238E27FC236}">
-                <a16:creationId xmlns:a16="http://schemas.microsoft.com/office/drawing/2014/main" id="{F21B5557-D31E-0927-17AE-0425B5B8179E}"/>
+                <a16:creationId xmlns:a16="http://schemas.microsoft.com/office/drawing/2014/main" id="{4EE55A90-E2DD-20CA-40A8-1295342B1FB9}"/>
               </a:ext>
             </a:extLst>
           </p:cNvPr>
@@ -712,7 +712,7 @@
           <a:bodyPr/>
           <a:lstStyle/>
           <a:p>
-            <a:fld id="{F190182A-F24C-40E2-8BB2-0714D82C9486}" type="slidenum">
+            <a:fld id="{0AD91538-3EA0-40A1-AEB1-775E22E16C32}" type="slidenum">
               <a:rPr lang="zh-CN" altLang="en-US" smtClean="0"/>
               <a:t>‹#›</a:t>
             </a:fld>
@@ -723,7 +723,7 @@
     </p:spTree>
     <p:extLst>
       <p:ext uri="{BB962C8B-B14F-4D97-AF65-F5344CB8AC3E}">
-        <p14:creationId xmlns:p14="http://schemas.microsoft.com/office/powerpoint/2010/main" val="2717287156"/>
+        <p14:creationId xmlns:p14="http://schemas.microsoft.com/office/powerpoint/2010/main" val="1778460725"/>
       </p:ext>
     </p:extLst>
   </p:cSld>
@@ -755,7 +755,7 @@
           <p:cNvPr id="2" name="标题 1">
             <a:extLst>
               <a:ext uri="{FF2B5EF4-FFF2-40B4-BE49-F238E27FC236}">
-                <a16:creationId xmlns:a16="http://schemas.microsoft.com/office/drawing/2014/main" id="{FFADEC7E-0421-781C-FD55-4CF8D98DBC39}"/>
+                <a16:creationId xmlns:a16="http://schemas.microsoft.com/office/drawing/2014/main" id="{A1D35872-E84D-FA85-000F-C3FBD74BCD24}"/>
               </a:ext>
             </a:extLst>
           </p:cNvPr>
@@ -783,7 +783,7 @@
           <p:cNvPr id="3" name="内容占位符 2">
             <a:extLst>
               <a:ext uri="{FF2B5EF4-FFF2-40B4-BE49-F238E27FC236}">
-                <a16:creationId xmlns:a16="http://schemas.microsoft.com/office/drawing/2014/main" id="{6B193110-C1F9-AAFA-5284-BB012E15D8FF}"/>
+                <a16:creationId xmlns:a16="http://schemas.microsoft.com/office/drawing/2014/main" id="{A5B3056B-D31A-7F06-3EC2-C4A8D2B70048}"/>
               </a:ext>
             </a:extLst>
           </p:cNvPr>
@@ -840,7 +840,7 @@
           <p:cNvPr id="4" name="日期占位符 3">
             <a:extLst>
               <a:ext uri="{FF2B5EF4-FFF2-40B4-BE49-F238E27FC236}">
-                <a16:creationId xmlns:a16="http://schemas.microsoft.com/office/drawing/2014/main" id="{818293D2-EE01-1F2E-0B0E-DD36B9B19E70}"/>
+                <a16:creationId xmlns:a16="http://schemas.microsoft.com/office/drawing/2014/main" id="{84F0FB25-00B4-9753-C8C6-5339D0799443}"/>
               </a:ext>
             </a:extLst>
           </p:cNvPr>
@@ -856,7 +856,7 @@
           <a:bodyPr/>
           <a:lstStyle/>
           <a:p>
-            <a:fld id="{FE6E6DBD-7EA4-49B7-B0B6-D16CBE15B3F2}" type="datetimeFigureOut">
+            <a:fld id="{C301FF4B-F2D5-469E-AE93-711987DD519F}" type="datetimeFigureOut">
               <a:rPr lang="zh-CN" altLang="en-US" smtClean="0"/>
               <a:t>2024/3/10</a:t>
             </a:fld>
@@ -869,7 +869,7 @@
           <p:cNvPr id="5" name="页脚占位符 4">
             <a:extLst>
               <a:ext uri="{FF2B5EF4-FFF2-40B4-BE49-F238E27FC236}">
-                <a16:creationId xmlns:a16="http://schemas.microsoft.com/office/drawing/2014/main" id="{8E56C182-1C3C-A108-E910-DAA87EE01862}"/>
+                <a16:creationId xmlns:a16="http://schemas.microsoft.com/office/drawing/2014/main" id="{537B6D09-BF75-AE51-05E8-56D9D44581FF}"/>
               </a:ext>
             </a:extLst>
           </p:cNvPr>
@@ -894,7 +894,7 @@
           <p:cNvPr id="6" name="灯片编号占位符 5">
             <a:extLst>
               <a:ext uri="{FF2B5EF4-FFF2-40B4-BE49-F238E27FC236}">
-                <a16:creationId xmlns:a16="http://schemas.microsoft.com/office/drawing/2014/main" id="{809B3B8F-76D9-EBBD-256F-56A33CA54609}"/>
+                <a16:creationId xmlns:a16="http://schemas.microsoft.com/office/drawing/2014/main" id="{701740C6-2DF1-4AC7-F40C-F4EA38EFE44A}"/>
               </a:ext>
             </a:extLst>
           </p:cNvPr>
@@ -910,7 +910,7 @@
           <a:bodyPr/>
           <a:lstStyle/>
           <a:p>
-            <a:fld id="{F190182A-F24C-40E2-8BB2-0714D82C9486}" type="slidenum">
+            <a:fld id="{0AD91538-3EA0-40A1-AEB1-775E22E16C32}" type="slidenum">
               <a:rPr lang="zh-CN" altLang="en-US" smtClean="0"/>
               <a:t>‹#›</a:t>
             </a:fld>
@@ -921,7 +921,7 @@
     </p:spTree>
     <p:extLst>
       <p:ext uri="{BB962C8B-B14F-4D97-AF65-F5344CB8AC3E}">
-        <p14:creationId xmlns:p14="http://schemas.microsoft.com/office/powerpoint/2010/main" val="2589839870"/>
+        <p14:creationId xmlns:p14="http://schemas.microsoft.com/office/powerpoint/2010/main" val="468621807"/>
       </p:ext>
     </p:extLst>
   </p:cSld>
@@ -953,7 +953,7 @@
           <p:cNvPr id="2" name="标题 1">
             <a:extLst>
               <a:ext uri="{FF2B5EF4-FFF2-40B4-BE49-F238E27FC236}">
-                <a16:creationId xmlns:a16="http://schemas.microsoft.com/office/drawing/2014/main" id="{03BAC17F-BACF-67E7-2318-657B4A8E8D45}"/>
+                <a16:creationId xmlns:a16="http://schemas.microsoft.com/office/drawing/2014/main" id="{C97DB3F9-3105-393E-1ADD-7C9F53ACA53A}"/>
               </a:ext>
             </a:extLst>
           </p:cNvPr>
@@ -990,7 +990,7 @@
           <p:cNvPr id="3" name="文本占位符 2">
             <a:extLst>
               <a:ext uri="{FF2B5EF4-FFF2-40B4-BE49-F238E27FC236}">
-                <a16:creationId xmlns:a16="http://schemas.microsoft.com/office/drawing/2014/main" id="{6BCC213D-E2C8-A5C3-2D82-6CB77DFB9410}"/>
+                <a16:creationId xmlns:a16="http://schemas.microsoft.com/office/drawing/2014/main" id="{EB01B0BD-3A09-4918-F1FA-61E71EA2EA40}"/>
               </a:ext>
             </a:extLst>
           </p:cNvPr>
@@ -1115,7 +1115,7 @@
           <p:cNvPr id="4" name="日期占位符 3">
             <a:extLst>
               <a:ext uri="{FF2B5EF4-FFF2-40B4-BE49-F238E27FC236}">
-                <a16:creationId xmlns:a16="http://schemas.microsoft.com/office/drawing/2014/main" id="{6860DE56-BEA8-9BF8-8736-B3AF7BBA7625}"/>
+                <a16:creationId xmlns:a16="http://schemas.microsoft.com/office/drawing/2014/main" id="{6588BCC5-7ADE-0AFE-D8BA-9A6A4B8DDB87}"/>
               </a:ext>
             </a:extLst>
           </p:cNvPr>
@@ -1131,7 +1131,7 @@
           <a:bodyPr/>
           <a:lstStyle/>
           <a:p>
-            <a:fld id="{FE6E6DBD-7EA4-49B7-B0B6-D16CBE15B3F2}" type="datetimeFigureOut">
+            <a:fld id="{C301FF4B-F2D5-469E-AE93-711987DD519F}" type="datetimeFigureOut">
               <a:rPr lang="zh-CN" altLang="en-US" smtClean="0"/>
               <a:t>2024/3/10</a:t>
             </a:fld>
@@ -1144,7 +1144,7 @@
           <p:cNvPr id="5" name="页脚占位符 4">
             <a:extLst>
               <a:ext uri="{FF2B5EF4-FFF2-40B4-BE49-F238E27FC236}">
-                <a16:creationId xmlns:a16="http://schemas.microsoft.com/office/drawing/2014/main" id="{FE982C99-8918-092C-1316-274BE60F391B}"/>
+                <a16:creationId xmlns:a16="http://schemas.microsoft.com/office/drawing/2014/main" id="{92F2E8ED-D244-738F-0340-46A81B3DAF6B}"/>
               </a:ext>
             </a:extLst>
           </p:cNvPr>
@@ -1169,7 +1169,7 @@
           <p:cNvPr id="6" name="灯片编号占位符 5">
             <a:extLst>
               <a:ext uri="{FF2B5EF4-FFF2-40B4-BE49-F238E27FC236}">
-                <a16:creationId xmlns:a16="http://schemas.microsoft.com/office/drawing/2014/main" id="{1E9C608E-45B7-9C2B-C2E2-5088B57FF12B}"/>
+                <a16:creationId xmlns:a16="http://schemas.microsoft.com/office/drawing/2014/main" id="{EA00A2AC-F4A6-C31A-7B5F-98A3641B3E67}"/>
               </a:ext>
             </a:extLst>
           </p:cNvPr>
@@ -1185,7 +1185,7 @@
           <a:bodyPr/>
           <a:lstStyle/>
           <a:p>
-            <a:fld id="{F190182A-F24C-40E2-8BB2-0714D82C9486}" type="slidenum">
+            <a:fld id="{0AD91538-3EA0-40A1-AEB1-775E22E16C32}" type="slidenum">
               <a:rPr lang="zh-CN" altLang="en-US" smtClean="0"/>
               <a:t>‹#›</a:t>
             </a:fld>
@@ -1196,7 +1196,7 @@
     </p:spTree>
     <p:extLst>
       <p:ext uri="{BB962C8B-B14F-4D97-AF65-F5344CB8AC3E}">
-        <p14:creationId xmlns:p14="http://schemas.microsoft.com/office/powerpoint/2010/main" val="3544804069"/>
+        <p14:creationId xmlns:p14="http://schemas.microsoft.com/office/powerpoint/2010/main" val="648396998"/>
       </p:ext>
     </p:extLst>
   </p:cSld>
@@ -1228,7 +1228,7 @@
           <p:cNvPr id="2" name="标题 1">
             <a:extLst>
               <a:ext uri="{FF2B5EF4-FFF2-40B4-BE49-F238E27FC236}">
-                <a16:creationId xmlns:a16="http://schemas.microsoft.com/office/drawing/2014/main" id="{AF3D64DD-A106-D80B-A5A6-1B18956064B5}"/>
+                <a16:creationId xmlns:a16="http://schemas.microsoft.com/office/drawing/2014/main" id="{48FDDF66-954D-E140-3D39-9A8C4CAB6148}"/>
               </a:ext>
             </a:extLst>
           </p:cNvPr>
@@ -1256,7 +1256,7 @@
           <p:cNvPr id="3" name="内容占位符 2">
             <a:extLst>
               <a:ext uri="{FF2B5EF4-FFF2-40B4-BE49-F238E27FC236}">
-                <a16:creationId xmlns:a16="http://schemas.microsoft.com/office/drawing/2014/main" id="{BB84ABDF-60E4-F258-17CD-8427797D5F4A}"/>
+                <a16:creationId xmlns:a16="http://schemas.microsoft.com/office/drawing/2014/main" id="{57E8C948-6F17-F9E6-EDE9-F6B82C495EF0}"/>
               </a:ext>
             </a:extLst>
           </p:cNvPr>
@@ -1318,7 +1318,7 @@
           <p:cNvPr id="4" name="内容占位符 3">
             <a:extLst>
               <a:ext uri="{FF2B5EF4-FFF2-40B4-BE49-F238E27FC236}">
-                <a16:creationId xmlns:a16="http://schemas.microsoft.com/office/drawing/2014/main" id="{4514B6B5-0FB2-96D7-C34F-75C8F2FDB9C4}"/>
+                <a16:creationId xmlns:a16="http://schemas.microsoft.com/office/drawing/2014/main" id="{845B1FE3-6064-47D1-30BD-36C771F6FA4C}"/>
               </a:ext>
             </a:extLst>
           </p:cNvPr>
@@ -1380,7 +1380,7 @@
           <p:cNvPr id="5" name="日期占位符 4">
             <a:extLst>
               <a:ext uri="{FF2B5EF4-FFF2-40B4-BE49-F238E27FC236}">
-                <a16:creationId xmlns:a16="http://schemas.microsoft.com/office/drawing/2014/main" id="{B41D1A32-BED8-B22C-1176-50C64E0AA3ED}"/>
+                <a16:creationId xmlns:a16="http://schemas.microsoft.com/office/drawing/2014/main" id="{01CEB8D1-39F2-5AE0-EFFD-63E7C8397F01}"/>
               </a:ext>
             </a:extLst>
           </p:cNvPr>
@@ -1396,7 +1396,7 @@
           <a:bodyPr/>
           <a:lstStyle/>
           <a:p>
-            <a:fld id="{FE6E6DBD-7EA4-49B7-B0B6-D16CBE15B3F2}" type="datetimeFigureOut">
+            <a:fld id="{C301FF4B-F2D5-469E-AE93-711987DD519F}" type="datetimeFigureOut">
               <a:rPr lang="zh-CN" altLang="en-US" smtClean="0"/>
               <a:t>2024/3/10</a:t>
             </a:fld>
@@ -1409,7 +1409,7 @@
           <p:cNvPr id="6" name="页脚占位符 5">
             <a:extLst>
               <a:ext uri="{FF2B5EF4-FFF2-40B4-BE49-F238E27FC236}">
-                <a16:creationId xmlns:a16="http://schemas.microsoft.com/office/drawing/2014/main" id="{454F59E0-50DC-4676-2129-DE85E6B0EA92}"/>
+                <a16:creationId xmlns:a16="http://schemas.microsoft.com/office/drawing/2014/main" id="{5973D855-35C2-8B8D-3826-6891E191DFB0}"/>
               </a:ext>
             </a:extLst>
           </p:cNvPr>
@@ -1434,7 +1434,7 @@
           <p:cNvPr id="7" name="灯片编号占位符 6">
             <a:extLst>
               <a:ext uri="{FF2B5EF4-FFF2-40B4-BE49-F238E27FC236}">
-                <a16:creationId xmlns:a16="http://schemas.microsoft.com/office/drawing/2014/main" id="{B8064081-B960-124A-52C5-F0646A4EE9DC}"/>
+                <a16:creationId xmlns:a16="http://schemas.microsoft.com/office/drawing/2014/main" id="{A945AC8B-E476-4800-E194-5689243F74F0}"/>
               </a:ext>
             </a:extLst>
           </p:cNvPr>
@@ -1450,7 +1450,7 @@
           <a:bodyPr/>
           <a:lstStyle/>
           <a:p>
-            <a:fld id="{F190182A-F24C-40E2-8BB2-0714D82C9486}" type="slidenum">
+            <a:fld id="{0AD91538-3EA0-40A1-AEB1-775E22E16C32}" type="slidenum">
               <a:rPr lang="zh-CN" altLang="en-US" smtClean="0"/>
               <a:t>‹#›</a:t>
             </a:fld>
@@ -1461,7 +1461,7 @@
     </p:spTree>
     <p:extLst>
       <p:ext uri="{BB962C8B-B14F-4D97-AF65-F5344CB8AC3E}">
-        <p14:creationId xmlns:p14="http://schemas.microsoft.com/office/powerpoint/2010/main" val="808357728"/>
+        <p14:creationId xmlns:p14="http://schemas.microsoft.com/office/powerpoint/2010/main" val="2990053172"/>
       </p:ext>
     </p:extLst>
   </p:cSld>
@@ -1493,7 +1493,7 @@
           <p:cNvPr id="2" name="标题 1">
             <a:extLst>
               <a:ext uri="{FF2B5EF4-FFF2-40B4-BE49-F238E27FC236}">
-                <a16:creationId xmlns:a16="http://schemas.microsoft.com/office/drawing/2014/main" id="{6FDDA597-34D6-1698-65E8-1A34F9D540DE}"/>
+                <a16:creationId xmlns:a16="http://schemas.microsoft.com/office/drawing/2014/main" id="{1D0F5B0A-8AEA-6860-F092-BCD07BA32D80}"/>
               </a:ext>
             </a:extLst>
           </p:cNvPr>
@@ -1526,7 +1526,7 @@
           <p:cNvPr id="3" name="文本占位符 2">
             <a:extLst>
               <a:ext uri="{FF2B5EF4-FFF2-40B4-BE49-F238E27FC236}">
-                <a16:creationId xmlns:a16="http://schemas.microsoft.com/office/drawing/2014/main" id="{3BF21731-1BF3-CF26-902F-6DFB89599B64}"/>
+                <a16:creationId xmlns:a16="http://schemas.microsoft.com/office/drawing/2014/main" id="{C8D84D07-964E-9EE5-B4F5-A6AC403221CA}"/>
               </a:ext>
             </a:extLst>
           </p:cNvPr>
@@ -1597,7 +1597,7 @@
           <p:cNvPr id="4" name="内容占位符 3">
             <a:extLst>
               <a:ext uri="{FF2B5EF4-FFF2-40B4-BE49-F238E27FC236}">
-                <a16:creationId xmlns:a16="http://schemas.microsoft.com/office/drawing/2014/main" id="{C274453C-DA85-DE5E-1B5A-815E6FB12BBF}"/>
+                <a16:creationId xmlns:a16="http://schemas.microsoft.com/office/drawing/2014/main" id="{EE58E04F-670E-7882-B059-DADC31929444}"/>
               </a:ext>
             </a:extLst>
           </p:cNvPr>
@@ -1659,7 +1659,7 @@
           <p:cNvPr id="5" name="文本占位符 4">
             <a:extLst>
               <a:ext uri="{FF2B5EF4-FFF2-40B4-BE49-F238E27FC236}">
-                <a16:creationId xmlns:a16="http://schemas.microsoft.com/office/drawing/2014/main" id="{18CDC758-BF11-356D-81A9-FC7BE291996D}"/>
+                <a16:creationId xmlns:a16="http://schemas.microsoft.com/office/drawing/2014/main" id="{B504857A-6130-860D-F8A9-086FCDDF2A60}"/>
               </a:ext>
             </a:extLst>
           </p:cNvPr>
@@ -1730,7 +1730,7 @@
           <p:cNvPr id="6" name="内容占位符 5">
             <a:extLst>
               <a:ext uri="{FF2B5EF4-FFF2-40B4-BE49-F238E27FC236}">
-                <a16:creationId xmlns:a16="http://schemas.microsoft.com/office/drawing/2014/main" id="{06AF2B4B-FBD0-EC0C-BD87-A4EE4A7D4087}"/>
+                <a16:creationId xmlns:a16="http://schemas.microsoft.com/office/drawing/2014/main" id="{36D2041D-DB37-2A27-A621-F9633E81EFAE}"/>
               </a:ext>
             </a:extLst>
           </p:cNvPr>
@@ -1792,7 +1792,7 @@
           <p:cNvPr id="7" name="日期占位符 6">
             <a:extLst>
               <a:ext uri="{FF2B5EF4-FFF2-40B4-BE49-F238E27FC236}">
-                <a16:creationId xmlns:a16="http://schemas.microsoft.com/office/drawing/2014/main" id="{F77ED38E-E7A8-DC23-4C96-500832486971}"/>
+                <a16:creationId xmlns:a16="http://schemas.microsoft.com/office/drawing/2014/main" id="{2CE6DA24-35F9-CFAA-B217-FA1A3A50C6B8}"/>
               </a:ext>
             </a:extLst>
           </p:cNvPr>
@@ -1808,7 +1808,7 @@
           <a:bodyPr/>
           <a:lstStyle/>
           <a:p>
-            <a:fld id="{FE6E6DBD-7EA4-49B7-B0B6-D16CBE15B3F2}" type="datetimeFigureOut">
+            <a:fld id="{C301FF4B-F2D5-469E-AE93-711987DD519F}" type="datetimeFigureOut">
               <a:rPr lang="zh-CN" altLang="en-US" smtClean="0"/>
               <a:t>2024/3/10</a:t>
             </a:fld>
@@ -1821,7 +1821,7 @@
           <p:cNvPr id="8" name="页脚占位符 7">
             <a:extLst>
               <a:ext uri="{FF2B5EF4-FFF2-40B4-BE49-F238E27FC236}">
-                <a16:creationId xmlns:a16="http://schemas.microsoft.com/office/drawing/2014/main" id="{3F43E559-C3DE-6B80-B2FD-AE510CC212FA}"/>
+                <a16:creationId xmlns:a16="http://schemas.microsoft.com/office/drawing/2014/main" id="{E0FE01C7-87D4-1F58-5013-D043B7E00474}"/>
               </a:ext>
             </a:extLst>
           </p:cNvPr>
@@ -1846,7 +1846,7 @@
           <p:cNvPr id="9" name="灯片编号占位符 8">
             <a:extLst>
               <a:ext uri="{FF2B5EF4-FFF2-40B4-BE49-F238E27FC236}">
-                <a16:creationId xmlns:a16="http://schemas.microsoft.com/office/drawing/2014/main" id="{8534234C-4A45-695E-FAFD-AC212A6E8954}"/>
+                <a16:creationId xmlns:a16="http://schemas.microsoft.com/office/drawing/2014/main" id="{ACA43341-116A-1E5C-B38C-99E746B577C8}"/>
               </a:ext>
             </a:extLst>
           </p:cNvPr>
@@ -1862,7 +1862,7 @@
           <a:bodyPr/>
           <a:lstStyle/>
           <a:p>
-            <a:fld id="{F190182A-F24C-40E2-8BB2-0714D82C9486}" type="slidenum">
+            <a:fld id="{0AD91538-3EA0-40A1-AEB1-775E22E16C32}" type="slidenum">
               <a:rPr lang="zh-CN" altLang="en-US" smtClean="0"/>
               <a:t>‹#›</a:t>
             </a:fld>
@@ -1873,7 +1873,7 @@
     </p:spTree>
     <p:extLst>
       <p:ext uri="{BB962C8B-B14F-4D97-AF65-F5344CB8AC3E}">
-        <p14:creationId xmlns:p14="http://schemas.microsoft.com/office/powerpoint/2010/main" val="1454919566"/>
+        <p14:creationId xmlns:p14="http://schemas.microsoft.com/office/powerpoint/2010/main" val="3437490116"/>
       </p:ext>
     </p:extLst>
   </p:cSld>
@@ -1905,7 +1905,7 @@
           <p:cNvPr id="2" name="标题 1">
             <a:extLst>
               <a:ext uri="{FF2B5EF4-FFF2-40B4-BE49-F238E27FC236}">
-                <a16:creationId xmlns:a16="http://schemas.microsoft.com/office/drawing/2014/main" id="{7702C770-8C8B-E947-8B8C-F3737C602CCC}"/>
+                <a16:creationId xmlns:a16="http://schemas.microsoft.com/office/drawing/2014/main" id="{9B52439F-E34F-8401-658E-138E55E91186}"/>
               </a:ext>
             </a:extLst>
           </p:cNvPr>
@@ -1933,7 +1933,7 @@
           <p:cNvPr id="3" name="日期占位符 2">
             <a:extLst>
               <a:ext uri="{FF2B5EF4-FFF2-40B4-BE49-F238E27FC236}">
-                <a16:creationId xmlns:a16="http://schemas.microsoft.com/office/drawing/2014/main" id="{A871600F-BC58-AC28-AB53-2A29AC3E862D}"/>
+                <a16:creationId xmlns:a16="http://schemas.microsoft.com/office/drawing/2014/main" id="{ABE6B001-1995-DA8B-4DD1-E659780BC4F4}"/>
               </a:ext>
             </a:extLst>
           </p:cNvPr>
@@ -1949,7 +1949,7 @@
           <a:bodyPr/>
           <a:lstStyle/>
           <a:p>
-            <a:fld id="{FE6E6DBD-7EA4-49B7-B0B6-D16CBE15B3F2}" type="datetimeFigureOut">
+            <a:fld id="{C301FF4B-F2D5-469E-AE93-711987DD519F}" type="datetimeFigureOut">
               <a:rPr lang="zh-CN" altLang="en-US" smtClean="0"/>
               <a:t>2024/3/10</a:t>
             </a:fld>
@@ -1962,7 +1962,7 @@
           <p:cNvPr id="4" name="页脚占位符 3">
             <a:extLst>
               <a:ext uri="{FF2B5EF4-FFF2-40B4-BE49-F238E27FC236}">
-                <a16:creationId xmlns:a16="http://schemas.microsoft.com/office/drawing/2014/main" id="{6653A76D-9B1B-C11A-1255-96C146F24660}"/>
+                <a16:creationId xmlns:a16="http://schemas.microsoft.com/office/drawing/2014/main" id="{5E2C3109-5490-EB71-4E65-A8A1040395DF}"/>
               </a:ext>
             </a:extLst>
           </p:cNvPr>
@@ -1987,7 +1987,7 @@
           <p:cNvPr id="5" name="灯片编号占位符 4">
             <a:extLst>
               <a:ext uri="{FF2B5EF4-FFF2-40B4-BE49-F238E27FC236}">
-                <a16:creationId xmlns:a16="http://schemas.microsoft.com/office/drawing/2014/main" id="{5A527684-458D-064A-D0D2-28BC5CDAF49F}"/>
+                <a16:creationId xmlns:a16="http://schemas.microsoft.com/office/drawing/2014/main" id="{C7EA7A3F-326C-6680-F230-232C741E6838}"/>
               </a:ext>
             </a:extLst>
           </p:cNvPr>
@@ -2003,7 +2003,7 @@
           <a:bodyPr/>
           <a:lstStyle/>
           <a:p>
-            <a:fld id="{F190182A-F24C-40E2-8BB2-0714D82C9486}" type="slidenum">
+            <a:fld id="{0AD91538-3EA0-40A1-AEB1-775E22E16C32}" type="slidenum">
               <a:rPr lang="zh-CN" altLang="en-US" smtClean="0"/>
               <a:t>‹#›</a:t>
             </a:fld>
@@ -2014,7 +2014,7 @@
     </p:spTree>
     <p:extLst>
       <p:ext uri="{BB962C8B-B14F-4D97-AF65-F5344CB8AC3E}">
-        <p14:creationId xmlns:p14="http://schemas.microsoft.com/office/powerpoint/2010/main" val="2271020207"/>
+        <p14:creationId xmlns:p14="http://schemas.microsoft.com/office/powerpoint/2010/main" val="1670756510"/>
       </p:ext>
     </p:extLst>
   </p:cSld>
@@ -2046,7 +2046,7 @@
           <p:cNvPr id="2" name="日期占位符 1">
             <a:extLst>
               <a:ext uri="{FF2B5EF4-FFF2-40B4-BE49-F238E27FC236}">
-                <a16:creationId xmlns:a16="http://schemas.microsoft.com/office/drawing/2014/main" id="{7E8F185A-8275-A460-24BB-79828420CD52}"/>
+                <a16:creationId xmlns:a16="http://schemas.microsoft.com/office/drawing/2014/main" id="{089701F5-B206-51AE-281D-0CDD1A6E393A}"/>
               </a:ext>
             </a:extLst>
           </p:cNvPr>
@@ -2062,7 +2062,7 @@
           <a:bodyPr/>
           <a:lstStyle/>
           <a:p>
-            <a:fld id="{FE6E6DBD-7EA4-49B7-B0B6-D16CBE15B3F2}" type="datetimeFigureOut">
+            <a:fld id="{C301FF4B-F2D5-469E-AE93-711987DD519F}" type="datetimeFigureOut">
               <a:rPr lang="zh-CN" altLang="en-US" smtClean="0"/>
               <a:t>2024/3/10</a:t>
             </a:fld>
@@ -2075,7 +2075,7 @@
           <p:cNvPr id="3" name="页脚占位符 2">
             <a:extLst>
               <a:ext uri="{FF2B5EF4-FFF2-40B4-BE49-F238E27FC236}">
-                <a16:creationId xmlns:a16="http://schemas.microsoft.com/office/drawing/2014/main" id="{24E1EB56-D895-0821-E443-D6791D2BA3C7}"/>
+                <a16:creationId xmlns:a16="http://schemas.microsoft.com/office/drawing/2014/main" id="{C8157CE8-F80B-A9AF-2B2A-F6C58EB765B7}"/>
               </a:ext>
             </a:extLst>
           </p:cNvPr>
@@ -2100,7 +2100,7 @@
           <p:cNvPr id="4" name="灯片编号占位符 3">
             <a:extLst>
               <a:ext uri="{FF2B5EF4-FFF2-40B4-BE49-F238E27FC236}">
-                <a16:creationId xmlns:a16="http://schemas.microsoft.com/office/drawing/2014/main" id="{702497F2-5953-A9E7-6273-9ED61CB08A03}"/>
+                <a16:creationId xmlns:a16="http://schemas.microsoft.com/office/drawing/2014/main" id="{2F97FB8F-CA1B-0CDF-5DDA-1DB644F989B9}"/>
               </a:ext>
             </a:extLst>
           </p:cNvPr>
@@ -2116,7 +2116,7 @@
           <a:bodyPr/>
           <a:lstStyle/>
           <a:p>
-            <a:fld id="{F190182A-F24C-40E2-8BB2-0714D82C9486}" type="slidenum">
+            <a:fld id="{0AD91538-3EA0-40A1-AEB1-775E22E16C32}" type="slidenum">
               <a:rPr lang="zh-CN" altLang="en-US" smtClean="0"/>
               <a:t>‹#›</a:t>
             </a:fld>
@@ -2127,7 +2127,7 @@
     </p:spTree>
     <p:extLst>
       <p:ext uri="{BB962C8B-B14F-4D97-AF65-F5344CB8AC3E}">
-        <p14:creationId xmlns:p14="http://schemas.microsoft.com/office/powerpoint/2010/main" val="3077402259"/>
+        <p14:creationId xmlns:p14="http://schemas.microsoft.com/office/powerpoint/2010/main" val="1444712029"/>
       </p:ext>
     </p:extLst>
   </p:cSld>
@@ -2159,7 +2159,7 @@
           <p:cNvPr id="2" name="标题 1">
             <a:extLst>
               <a:ext uri="{FF2B5EF4-FFF2-40B4-BE49-F238E27FC236}">
-                <a16:creationId xmlns:a16="http://schemas.microsoft.com/office/drawing/2014/main" id="{2C79657C-2463-8503-CA56-A4A707A872DF}"/>
+                <a16:creationId xmlns:a16="http://schemas.microsoft.com/office/drawing/2014/main" id="{E3E757D4-5F07-5F21-1EB5-D0F1FAD3C235}"/>
               </a:ext>
             </a:extLst>
           </p:cNvPr>
@@ -2196,7 +2196,7 @@
           <p:cNvPr id="3" name="内容占位符 2">
             <a:extLst>
               <a:ext uri="{FF2B5EF4-FFF2-40B4-BE49-F238E27FC236}">
-                <a16:creationId xmlns:a16="http://schemas.microsoft.com/office/drawing/2014/main" id="{55E2480F-229E-E2C8-CAC0-09513ED9B9CA}"/>
+                <a16:creationId xmlns:a16="http://schemas.microsoft.com/office/drawing/2014/main" id="{9D43CC68-1160-14ED-A357-726D7C6C2E9C}"/>
               </a:ext>
             </a:extLst>
           </p:cNvPr>
@@ -2286,7 +2286,7 @@
           <p:cNvPr id="4" name="文本占位符 3">
             <a:extLst>
               <a:ext uri="{FF2B5EF4-FFF2-40B4-BE49-F238E27FC236}">
-                <a16:creationId xmlns:a16="http://schemas.microsoft.com/office/drawing/2014/main" id="{0A0ED48B-E76B-A4D5-19E0-6781E331900D}"/>
+                <a16:creationId xmlns:a16="http://schemas.microsoft.com/office/drawing/2014/main" id="{5815A29A-373E-5DDE-CFDB-B2EB71B99AAB}"/>
               </a:ext>
             </a:extLst>
           </p:cNvPr>
@@ -2357,7 +2357,7 @@
           <p:cNvPr id="5" name="日期占位符 4">
             <a:extLst>
               <a:ext uri="{FF2B5EF4-FFF2-40B4-BE49-F238E27FC236}">
-                <a16:creationId xmlns:a16="http://schemas.microsoft.com/office/drawing/2014/main" id="{6610777B-2A04-956C-0BB9-FF3E541D081A}"/>
+                <a16:creationId xmlns:a16="http://schemas.microsoft.com/office/drawing/2014/main" id="{E99B9D08-7E3A-B978-19A2-C2370D6A9F2B}"/>
               </a:ext>
             </a:extLst>
           </p:cNvPr>
@@ -2373,7 +2373,7 @@
           <a:bodyPr/>
           <a:lstStyle/>
           <a:p>
-            <a:fld id="{FE6E6DBD-7EA4-49B7-B0B6-D16CBE15B3F2}" type="datetimeFigureOut">
+            <a:fld id="{C301FF4B-F2D5-469E-AE93-711987DD519F}" type="datetimeFigureOut">
               <a:rPr lang="zh-CN" altLang="en-US" smtClean="0"/>
               <a:t>2024/3/10</a:t>
             </a:fld>
@@ -2386,7 +2386,7 @@
           <p:cNvPr id="6" name="页脚占位符 5">
             <a:extLst>
               <a:ext uri="{FF2B5EF4-FFF2-40B4-BE49-F238E27FC236}">
-                <a16:creationId xmlns:a16="http://schemas.microsoft.com/office/drawing/2014/main" id="{E587F874-320F-E123-AF97-9A5C656B3C47}"/>
+                <a16:creationId xmlns:a16="http://schemas.microsoft.com/office/drawing/2014/main" id="{33618C9D-E9F2-624A-5661-A2677A365B6F}"/>
               </a:ext>
             </a:extLst>
           </p:cNvPr>
@@ -2411,7 +2411,7 @@
           <p:cNvPr id="7" name="灯片编号占位符 6">
             <a:extLst>
               <a:ext uri="{FF2B5EF4-FFF2-40B4-BE49-F238E27FC236}">
-                <a16:creationId xmlns:a16="http://schemas.microsoft.com/office/drawing/2014/main" id="{1DB47F2F-ACD8-9D42-10E6-7A46D1B6A5E3}"/>
+                <a16:creationId xmlns:a16="http://schemas.microsoft.com/office/drawing/2014/main" id="{98AB3E25-ACFC-CA72-8BE9-9894E3361DA5}"/>
               </a:ext>
             </a:extLst>
           </p:cNvPr>
@@ -2427,7 +2427,7 @@
           <a:bodyPr/>
           <a:lstStyle/>
           <a:p>
-            <a:fld id="{F190182A-F24C-40E2-8BB2-0714D82C9486}" type="slidenum">
+            <a:fld id="{0AD91538-3EA0-40A1-AEB1-775E22E16C32}" type="slidenum">
               <a:rPr lang="zh-CN" altLang="en-US" smtClean="0"/>
               <a:t>‹#›</a:t>
             </a:fld>
@@ -2438,7 +2438,7 @@
     </p:spTree>
     <p:extLst>
       <p:ext uri="{BB962C8B-B14F-4D97-AF65-F5344CB8AC3E}">
-        <p14:creationId xmlns:p14="http://schemas.microsoft.com/office/powerpoint/2010/main" val="1021148716"/>
+        <p14:creationId xmlns:p14="http://schemas.microsoft.com/office/powerpoint/2010/main" val="4043806606"/>
       </p:ext>
     </p:extLst>
   </p:cSld>
@@ -2470,7 +2470,7 @@
           <p:cNvPr id="2" name="标题 1">
             <a:extLst>
               <a:ext uri="{FF2B5EF4-FFF2-40B4-BE49-F238E27FC236}">
-                <a16:creationId xmlns:a16="http://schemas.microsoft.com/office/drawing/2014/main" id="{502FAAB9-EFBD-961A-3463-F4138736D94C}"/>
+                <a16:creationId xmlns:a16="http://schemas.microsoft.com/office/drawing/2014/main" id="{3FC3D843-A308-E020-A77C-16CA09E3403E}"/>
               </a:ext>
             </a:extLst>
           </p:cNvPr>
@@ -2507,7 +2507,7 @@
           <p:cNvPr id="3" name="图片占位符 2">
             <a:extLst>
               <a:ext uri="{FF2B5EF4-FFF2-40B4-BE49-F238E27FC236}">
-                <a16:creationId xmlns:a16="http://schemas.microsoft.com/office/drawing/2014/main" id="{E2DF9C2C-299A-75C3-679D-69E973F508C5}"/>
+                <a16:creationId xmlns:a16="http://schemas.microsoft.com/office/drawing/2014/main" id="{97A95346-8BB6-46D9-3263-954AB9DB334F}"/>
               </a:ext>
             </a:extLst>
           </p:cNvPr>
@@ -2574,7 +2574,7 @@
           <p:cNvPr id="4" name="文本占位符 3">
             <a:extLst>
               <a:ext uri="{FF2B5EF4-FFF2-40B4-BE49-F238E27FC236}">
-                <a16:creationId xmlns:a16="http://schemas.microsoft.com/office/drawing/2014/main" id="{5C2D2579-2AD7-2A5B-AE53-75CBA00B4684}"/>
+                <a16:creationId xmlns:a16="http://schemas.microsoft.com/office/drawing/2014/main" id="{8BC338AD-6B84-6482-57BD-902303BE9DA7}"/>
               </a:ext>
             </a:extLst>
           </p:cNvPr>
@@ -2645,7 +2645,7 @@
           <p:cNvPr id="5" name="日期占位符 4">
             <a:extLst>
               <a:ext uri="{FF2B5EF4-FFF2-40B4-BE49-F238E27FC236}">
-                <a16:creationId xmlns:a16="http://schemas.microsoft.com/office/drawing/2014/main" id="{FB24789E-F7D4-5428-D359-FE949707C7D5}"/>
+                <a16:creationId xmlns:a16="http://schemas.microsoft.com/office/drawing/2014/main" id="{B9CDF816-88DB-2D57-7112-88A955FA154C}"/>
               </a:ext>
             </a:extLst>
           </p:cNvPr>
@@ -2661,7 +2661,7 @@
           <a:bodyPr/>
           <a:lstStyle/>
           <a:p>
-            <a:fld id="{FE6E6DBD-7EA4-49B7-B0B6-D16CBE15B3F2}" type="datetimeFigureOut">
+            <a:fld id="{C301FF4B-F2D5-469E-AE93-711987DD519F}" type="datetimeFigureOut">
               <a:rPr lang="zh-CN" altLang="en-US" smtClean="0"/>
               <a:t>2024/3/10</a:t>
             </a:fld>
@@ -2674,7 +2674,7 @@
           <p:cNvPr id="6" name="页脚占位符 5">
             <a:extLst>
               <a:ext uri="{FF2B5EF4-FFF2-40B4-BE49-F238E27FC236}">
-                <a16:creationId xmlns:a16="http://schemas.microsoft.com/office/drawing/2014/main" id="{A1D73190-8380-5DCE-3B64-DBB57D6C6C3E}"/>
+                <a16:creationId xmlns:a16="http://schemas.microsoft.com/office/drawing/2014/main" id="{0B50EEBB-65E3-F121-D060-B46C20EE3863}"/>
               </a:ext>
             </a:extLst>
           </p:cNvPr>
@@ -2699,7 +2699,7 @@
           <p:cNvPr id="7" name="灯片编号占位符 6">
             <a:extLst>
               <a:ext uri="{FF2B5EF4-FFF2-40B4-BE49-F238E27FC236}">
-                <a16:creationId xmlns:a16="http://schemas.microsoft.com/office/drawing/2014/main" id="{3F04882F-1C0D-7044-9ACA-36D3A84F2E6B}"/>
+                <a16:creationId xmlns:a16="http://schemas.microsoft.com/office/drawing/2014/main" id="{60D09A47-3D69-BE93-6876-F82025214582}"/>
               </a:ext>
             </a:extLst>
           </p:cNvPr>
@@ -2715,7 +2715,7 @@
           <a:bodyPr/>
           <a:lstStyle/>
           <a:p>
-            <a:fld id="{F190182A-F24C-40E2-8BB2-0714D82C9486}" type="slidenum">
+            <a:fld id="{0AD91538-3EA0-40A1-AEB1-775E22E16C32}" type="slidenum">
               <a:rPr lang="zh-CN" altLang="en-US" smtClean="0"/>
               <a:t>‹#›</a:t>
             </a:fld>
@@ -2726,7 +2726,7 @@
     </p:spTree>
     <p:extLst>
       <p:ext uri="{BB962C8B-B14F-4D97-AF65-F5344CB8AC3E}">
-        <p14:creationId xmlns:p14="http://schemas.microsoft.com/office/powerpoint/2010/main" val="690911256"/>
+        <p14:creationId xmlns:p14="http://schemas.microsoft.com/office/powerpoint/2010/main" val="2154159790"/>
       </p:ext>
     </p:extLst>
   </p:cSld>
@@ -2763,7 +2763,7 @@
           <p:cNvPr id="2" name="标题占位符 1">
             <a:extLst>
               <a:ext uri="{FF2B5EF4-FFF2-40B4-BE49-F238E27FC236}">
-                <a16:creationId xmlns:a16="http://schemas.microsoft.com/office/drawing/2014/main" id="{987E4690-491C-34C2-B337-142DD585BB19}"/>
+                <a16:creationId xmlns:a16="http://schemas.microsoft.com/office/drawing/2014/main" id="{CFB453B3-38FB-0319-2898-9F255A3EF990}"/>
               </a:ext>
             </a:extLst>
           </p:cNvPr>
@@ -2801,7 +2801,7 @@
           <p:cNvPr id="3" name="文本占位符 2">
             <a:extLst>
               <a:ext uri="{FF2B5EF4-FFF2-40B4-BE49-F238E27FC236}">
-                <a16:creationId xmlns:a16="http://schemas.microsoft.com/office/drawing/2014/main" id="{8210C89A-3E06-A819-42CC-9EA3395C854C}"/>
+                <a16:creationId xmlns:a16="http://schemas.microsoft.com/office/drawing/2014/main" id="{45986D11-507A-CA69-95D7-CC3E594BEDD5}"/>
               </a:ext>
             </a:extLst>
           </p:cNvPr>
@@ -2868,7 +2868,7 @@
           <p:cNvPr id="4" name="日期占位符 3">
             <a:extLst>
               <a:ext uri="{FF2B5EF4-FFF2-40B4-BE49-F238E27FC236}">
-                <a16:creationId xmlns:a16="http://schemas.microsoft.com/office/drawing/2014/main" id="{5F538416-B32A-55B7-392E-ED3CEF323BD7}"/>
+                <a16:creationId xmlns:a16="http://schemas.microsoft.com/office/drawing/2014/main" id="{2BE97D61-2FCB-0BAE-D643-68D43EA8D852}"/>
               </a:ext>
             </a:extLst>
           </p:cNvPr>
@@ -2902,7 +2902,7 @@
             </a:lvl1pPr>
           </a:lstStyle>
           <a:p>
-            <a:fld id="{FE6E6DBD-7EA4-49B7-B0B6-D16CBE15B3F2}" type="datetimeFigureOut">
+            <a:fld id="{C301FF4B-F2D5-469E-AE93-711987DD519F}" type="datetimeFigureOut">
               <a:rPr lang="zh-CN" altLang="en-US" smtClean="0"/>
               <a:t>2024/3/10</a:t>
             </a:fld>
@@ -2915,7 +2915,7 @@
           <p:cNvPr id="5" name="页脚占位符 4">
             <a:extLst>
               <a:ext uri="{FF2B5EF4-FFF2-40B4-BE49-F238E27FC236}">
-                <a16:creationId xmlns:a16="http://schemas.microsoft.com/office/drawing/2014/main" id="{3DFE8E65-32F4-FE45-1B3D-089B45C94000}"/>
+                <a16:creationId xmlns:a16="http://schemas.microsoft.com/office/drawing/2014/main" id="{15730E0E-9F48-5678-D656-CF301F555738}"/>
               </a:ext>
             </a:extLst>
           </p:cNvPr>
@@ -2958,7 +2958,7 @@
           <p:cNvPr id="6" name="灯片编号占位符 5">
             <a:extLst>
               <a:ext uri="{FF2B5EF4-FFF2-40B4-BE49-F238E27FC236}">
-                <a16:creationId xmlns:a16="http://schemas.microsoft.com/office/drawing/2014/main" id="{F8E4E05A-4A5B-4134-7669-8FDB97053077}"/>
+                <a16:creationId xmlns:a16="http://schemas.microsoft.com/office/drawing/2014/main" id="{12BFEC23-F44F-124D-D712-3BD81F83FDC3}"/>
               </a:ext>
             </a:extLst>
           </p:cNvPr>
@@ -2992,7 +2992,7 @@
             </a:lvl1pPr>
           </a:lstStyle>
           <a:p>
-            <a:fld id="{F190182A-F24C-40E2-8BB2-0714D82C9486}" type="slidenum">
+            <a:fld id="{0AD91538-3EA0-40A1-AEB1-775E22E16C32}" type="slidenum">
               <a:rPr lang="zh-CN" altLang="en-US" smtClean="0"/>
               <a:t>‹#›</a:t>
             </a:fld>
@@ -3003,7 +3003,7 @@
     </p:spTree>
     <p:extLst>
       <p:ext uri="{BB962C8B-B14F-4D97-AF65-F5344CB8AC3E}">
-        <p14:creationId xmlns:p14="http://schemas.microsoft.com/office/powerpoint/2010/main" val="1521903630"/>
+        <p14:creationId xmlns:p14="http://schemas.microsoft.com/office/powerpoint/2010/main" val="165470095"/>
       </p:ext>
     </p:extLst>
   </p:cSld>
